--- a/ClassMaterials/MergeSort/Slides/Part3-EclipsePlugIn.pptx
+++ b/ClassMaterials/MergeSort/Slides/Part3-EclipsePlugIn.pptx
@@ -369,7 +369,7 @@
               <a:pPr>
                 <a:defRPr/>
               </a:pPr>
-              <a:t>2/17/2022</a:t>
+              <a:t>2/26/2024</a:t>
             </a:fld>
             <a:endParaRPr lang="en-US"/>
           </a:p>
@@ -604,7 +604,7 @@
               <a:pPr>
                 <a:defRPr/>
               </a:pPr>
-              <a:t>2/17/2022</a:t>
+              <a:t>2/26/2024</a:t>
             </a:fld>
             <a:endParaRPr lang="en-US"/>
           </a:p>
@@ -1273,7 +1273,7 @@
               <a:pPr>
                 <a:defRPr/>
               </a:pPr>
-              <a:t>Thursday, February 17, 2022</a:t>
+              <a:t>Monday, February 26, 2024</a:t>
             </a:fld>
             <a:endParaRPr lang="en-US" dirty="0"/>
           </a:p>
@@ -1456,7 +1456,7 @@
               <a:pPr>
                 <a:defRPr/>
               </a:pPr>
-              <a:t>Thursday, February 17, 2022</a:t>
+              <a:t>Monday, February 26, 2024</a:t>
             </a:fld>
             <a:endParaRPr lang="en-US" dirty="0"/>
           </a:p>
@@ -1649,7 +1649,7 @@
               <a:pPr>
                 <a:defRPr/>
               </a:pPr>
-              <a:t>Thursday, February 17, 2022</a:t>
+              <a:t>Monday, February 26, 2024</a:t>
             </a:fld>
             <a:endParaRPr lang="en-US" dirty="0"/>
           </a:p>
@@ -1832,7 +1832,7 @@
               <a:pPr>
                 <a:defRPr/>
               </a:pPr>
-              <a:t>Thursday, February 17, 2022</a:t>
+              <a:t>Monday, February 26, 2024</a:t>
             </a:fld>
             <a:endParaRPr lang="en-US" dirty="0"/>
           </a:p>
@@ -2092,7 +2092,7 @@
               <a:pPr>
                 <a:defRPr/>
               </a:pPr>
-              <a:t>Thursday, February 17, 2022</a:t>
+              <a:t>Monday, February 26, 2024</a:t>
             </a:fld>
             <a:endParaRPr lang="en-US"/>
           </a:p>
@@ -2392,7 +2392,7 @@
               <a:pPr>
                 <a:defRPr/>
               </a:pPr>
-              <a:t>Thursday, February 17, 2022</a:t>
+              <a:t>Monday, February 26, 2024</a:t>
             </a:fld>
             <a:endParaRPr lang="en-US"/>
           </a:p>
@@ -2826,7 +2826,7 @@
               <a:pPr>
                 <a:defRPr/>
               </a:pPr>
-              <a:t>Thursday, February 17, 2022</a:t>
+              <a:t>Monday, February 26, 2024</a:t>
             </a:fld>
             <a:endParaRPr lang="en-US"/>
           </a:p>
@@ -2958,7 +2958,7 @@
               <a:pPr>
                 <a:defRPr/>
               </a:pPr>
-              <a:t>Thursday, February 17, 2022</a:t>
+              <a:t>Monday, February 26, 2024</a:t>
             </a:fld>
             <a:endParaRPr lang="en-US"/>
           </a:p>
@@ -3068,7 +3068,7 @@
               <a:pPr>
                 <a:defRPr/>
               </a:pPr>
-              <a:t>Thursday, February 17, 2022</a:t>
+              <a:t>Monday, February 26, 2024</a:t>
             </a:fld>
             <a:endParaRPr lang="en-US" dirty="0"/>
           </a:p>
@@ -3358,7 +3358,7 @@
               <a:pPr>
                 <a:defRPr/>
               </a:pPr>
-              <a:t>Thursday, February 17, 2022</a:t>
+              <a:t>Monday, February 26, 2024</a:t>
             </a:fld>
             <a:endParaRPr lang="en-US"/>
           </a:p>
@@ -3625,7 +3625,7 @@
               <a:pPr>
                 <a:defRPr/>
               </a:pPr>
-              <a:t>Thursday, February 17, 2022</a:t>
+              <a:t>Monday, February 26, 2024</a:t>
             </a:fld>
             <a:endParaRPr lang="en-US"/>
           </a:p>
@@ -3851,7 +3851,7 @@
               <a:pPr>
                 <a:defRPr/>
               </a:pPr>
-              <a:t>Thursday, February 17, 2022</a:t>
+              <a:t>Monday, February 26, 2024</a:t>
             </a:fld>
             <a:endParaRPr lang="en-US" dirty="0"/>
           </a:p>
@@ -6006,5 +6006,19 @@
 </file>
 
 <file path=customXml/itemProps3.xml><?xml version="1.0" encoding="utf-8"?>
-<ds:datastoreItem xmlns:ds="http://schemas.openxmlformats.org/officeDocument/2006/customXml" ds:itemID="{CF76D278-1F25-46D9-AA20-4FA17B137934}"/>
+<ds:datastoreItem xmlns:ds="http://schemas.openxmlformats.org/officeDocument/2006/customXml" ds:itemID="{CF76D278-1F25-46D9-AA20-4FA17B137934}">
+  <ds:schemaRefs>
+    <ds:schemaRef ds:uri="http://schemas.microsoft.com/office/2006/metadata/contentType"/>
+    <ds:schemaRef ds:uri="http://schemas.microsoft.com/office/2006/metadata/properties/metaAttributes"/>
+    <ds:schemaRef ds:uri="http://www.w3.org/2001/XMLSchema"/>
+    <ds:schemaRef ds:uri="http://schemas.microsoft.com/office/2006/metadata/properties"/>
+    <ds:schemaRef ds:uri="201674f6-2bdd-4f13-ba1e-424e4aa70473"/>
+    <ds:schemaRef ds:uri="http://schemas.microsoft.com/office/2006/documentManagement/types"/>
+    <ds:schemaRef ds:uri="http://schemas.microsoft.com/office/infopath/2007/PartnerControls"/>
+    <ds:schemaRef ds:uri="http://schemas.openxmlformats.org/package/2006/metadata/core-properties"/>
+    <ds:schemaRef ds:uri="http://purl.org/dc/elements/1.1/"/>
+    <ds:schemaRef ds:uri="http://purl.org/dc/terms/"/>
+    <ds:schemaRef ds:uri="http://schemas.microsoft.com/internal/obd"/>
+  </ds:schemaRefs>
+</ds:datastoreItem>
 </file>
--- a/ClassMaterials/MergeSort/Slides/Part3-EclipsePlugIn.pptx
+++ b/ClassMaterials/MergeSort/Slides/Part3-EclipsePlugIn.pptx
@@ -5,17 +5,18 @@
     <p:sldMasterId id="2147484539" r:id="rId4"/>
   </p:sldMasterIdLst>
   <p:notesMasterIdLst>
-    <p:notesMasterId r:id="rId10"/>
+    <p:notesMasterId r:id="rId11"/>
   </p:notesMasterIdLst>
   <p:handoutMasterIdLst>
-    <p:handoutMasterId r:id="rId11"/>
+    <p:handoutMasterId r:id="rId12"/>
   </p:handoutMasterIdLst>
   <p:sldIdLst>
     <p:sldId id="256" r:id="rId5"/>
-    <p:sldId id="293" r:id="rId6"/>
-    <p:sldId id="295" r:id="rId7"/>
-    <p:sldId id="296" r:id="rId8"/>
-    <p:sldId id="305" r:id="rId9"/>
+    <p:sldId id="351" r:id="rId6"/>
+    <p:sldId id="293" r:id="rId7"/>
+    <p:sldId id="295" r:id="rId8"/>
+    <p:sldId id="296" r:id="rId9"/>
+    <p:sldId id="305" r:id="rId10"/>
   </p:sldIdLst>
   <p:sldSz cx="9144000" cy="6858000" type="screen4x3"/>
   <p:notesSz cx="7315200" cy="9601200"/>
@@ -369,7 +370,7 @@
               <a:pPr>
                 <a:defRPr/>
               </a:pPr>
-              <a:t>2/26/2024</a:t>
+              <a:t>5/19/2025</a:t>
             </a:fld>
             <a:endParaRPr lang="en-US"/>
           </a:p>
@@ -485,6 +486,90 @@
   </p:cSld>
   <p:clrMap bg1="lt1" tx1="dk1" bg2="lt2" tx2="dk2" accent1="accent1" accent2="accent2" accent3="accent3" accent4="accent4" accent5="accent5" accent6="accent6" hlink="hlink" folHlink="folHlink"/>
 </p:handoutMaster>
+</file>
+
+<file path=ppt/ink/ink1.xml><?xml version="1.0" encoding="utf-8"?>
+<inkml:ink xmlns:inkml="http://www.w3.org/2003/InkML">
+  <inkml:definitions>
+    <inkml:context xml:id="ctx0">
+      <inkml:inkSource xml:id="inkSrc0">
+        <inkml:traceFormat>
+          <inkml:channel name="X" type="integer" min="-2.14748E9" max="2.14748E9" units="cm"/>
+          <inkml:channel name="Y" type="integer" min="-2.14748E9" max="2.14748E9" units="cm"/>
+          <inkml:channel name="F" type="integer" max="32767" units="dev"/>
+        </inkml:traceFormat>
+        <inkml:channelProperties>
+          <inkml:channelProperty channel="X" name="resolution" value="1000" units="1/cm"/>
+          <inkml:channelProperty channel="Y" name="resolution" value="1000" units="1/cm"/>
+          <inkml:channelProperty channel="F" name="resolution" value="0" units="1/dev"/>
+        </inkml:channelProperties>
+      </inkml:inkSource>
+      <inkml:timestamp xml:id="ts0" timeString="2025-05-06T03:01:03.946"/>
+    </inkml:context>
+    <inkml:brush xml:id="br0">
+      <inkml:brushProperty name="width" value="0.1" units="cm"/>
+      <inkml:brushProperty name="height" value="0.1" units="cm"/>
+      <inkml:brushProperty name="color" value="#E71224"/>
+    </inkml:brush>
+  </inkml:definitions>
+  <inkml:trace contextRef="#ctx0" brushRef="#br0">1 117 24575,'40'-19'0,"1"3"0,0 1 0,1 1 0,1 3 0,1 1 0,57-5 0,55 1 0,295 11 0,156 74 0,-275 0 0,-249-49 0,153 68 0,-192-68 0,-2 3 0,47 35 0,8 5 0,-79-53 0,-1 0 0,-1 2 0,0-1 0,0 2 0,-2 0 0,0 1 0,0 0 0,-2 1 0,0 1 0,16 33 0,-4-2 0,-3 2 0,19 66 0,18 112 0,-27-101 0,-4-8 0,12 41 0,-37-153 0,0 0 0,-1 1 0,0 0 0,-1-1 0,0 1 0,0-1 0,0 1 0,-3 12 0,-4 8 0,-10 31 0,5-19 0,-7 38 0,-10 113 0,5-25 0,17-127 0,-7 35 0,-1 0 0,-30 80 0,23-85 0,-22 112 0,44-181 0,0-1 0,0 1 0,0 0 0,0 0 0,0-1 0,0 1 0,0-1 0,0 1 0,-1 0 0,1-1 0,0 1 0,-1 0 0,1-1 0,-1 1 0,1-1 0,0 1 0,-1-1 0,0 1 0,1-1 0,-1 1 0,1-1 0,0 0 0,-1 1 0,0-1 0,0 0 0,1 1 0,-2 0 0,1-1 0,-1 0 0,1-1 0,0 1 0,-1 0 0,2-1 0,-2 1 0,1-1 0,0 1 0,-1 0 0,2-1 0,-2 1 0,1-1 0,-2-1 0,-4-4 0,0 1 0,1-1 0,-9-11 0,-1-4 0,0-1 0,2-1 0,-1 1 0,3-2 0,0 0 0,-7-27 0,2 0 0,2-1 0,-8-56 0,22 102 0,-1 1 0,1-1 0,-1 0 0,-3-6 0,5 11 0,0 0 0,-1 0 0,1 1 0,0-1 0,-1 0 0,1 0 0,0 1 0,-1-1 0,1 1 0,-1-1 0,0 0 0,1 1 0,0-1 0,-1 1 0,0-1 0,0 0 0,1 1 0,-1 0 0,0 0 0,0-1 0,1 1 0,-1-1 0,0 1 0,0 0 0,1-1 0,-1 1 0,0 0 0,0 0 0,1 0 0,-1 0 0,0 0 0,0 0 0,0 0 0,0 0 0,0 0 0,1 1 0,-1-1 0,-1 1 0,1 0 0,-1-1 0,2 1 0,-1 0 0,0 0 0,0 0 0,1 0 0,-1 0 0,0 0 0,0 1 0,1-2 0,-1 2 0,0-1 0,1 0 0,-1 0 0,1 0 0,0 1 0,0-1 0,0 0 0,-1 3 0,1 27 0,0-24 0,1 10 0,2 0 0,-1-1 0,2 1 0,-1-1 0,9 20 0,38 75 0,-25-61 0,-24-46 0,1-1 0,1 0 0,-1 0 0,0 0 0,0 0 0,1 0 0,0 0 0,0 0 0,0-1 0,0 1 0,0-1 0,1 0 0,-1 0 0,1-1 0,0 1 0,-1-1 0,0 1 0,1-1 0,0 0 0,0 0 0,5 0 0,9 1 0,0-1 0,0-1 0,26-3 0,-25 1 0,89-10 0,-2-4 0,111-33 0,-96 11 63,-79 23-777,84-18 0,-105 30-6112</inkml:trace>
+</inkml:ink>
+</file>
+
+<file path=ppt/ink/ink2.xml><?xml version="1.0" encoding="utf-8"?>
+<inkml:ink xmlns:inkml="http://www.w3.org/2003/InkML">
+  <inkml:definitions>
+    <inkml:context xml:id="ctx0">
+      <inkml:inkSource xml:id="inkSrc0">
+        <inkml:traceFormat>
+          <inkml:channel name="X" type="integer" min="-2.14748E9" max="2.14748E9" units="cm"/>
+          <inkml:channel name="Y" type="integer" min="-2.14748E9" max="2.14748E9" units="cm"/>
+          <inkml:channel name="F" type="integer" max="32767" units="dev"/>
+        </inkml:traceFormat>
+        <inkml:channelProperties>
+          <inkml:channelProperty channel="X" name="resolution" value="1000" units="1/cm"/>
+          <inkml:channelProperty channel="Y" name="resolution" value="1000" units="1/cm"/>
+          <inkml:channelProperty channel="F" name="resolution" value="0" units="1/dev"/>
+        </inkml:channelProperties>
+      </inkml:inkSource>
+      <inkml:timestamp xml:id="ts0" timeString="2025-05-19T14:54:48.364"/>
+    </inkml:context>
+    <inkml:brush xml:id="br0">
+      <inkml:brushProperty name="width" value="0.1" units="cm"/>
+      <inkml:brushProperty name="height" value="0.1" units="cm"/>
+      <inkml:brushProperty name="color" value="#E71224"/>
+    </inkml:brush>
+  </inkml:definitions>
+  <inkml:trace contextRef="#ctx0" brushRef="#br0">1 1 24575,'991'703'-1745,"34"-61"0,-414-298 1805,382 225-14,-35 64-679,-355-171-1000,69 51 629,-55-87-544,706 364 0,1170 513 272,-951-475 803,-79 132 1019,-1225-782-448,797 564-78,38-98 1820,-284-205-939,84 44 155,-132-107-1065,-420-217 411,-252-125 479,-3 4 0,-1 3 0,-2 2 0,64 58-1,62 48 1041,36 32-1601,-165-129-320,93 61 0,-73-56 0,154 128 0,92 65 0,-83-67 0,19 30 0,39 54 0,222 190 0,-487-429-682,63 36-1,-77-50-6143</inkml:trace>
+</inkml:ink>
+</file>
+
+<file path=ppt/ink/ink3.xml><?xml version="1.0" encoding="utf-8"?>
+<inkml:ink xmlns:inkml="http://www.w3.org/2003/InkML">
+  <inkml:definitions>
+    <inkml:context xml:id="ctx0">
+      <inkml:inkSource xml:id="inkSrc0">
+        <inkml:traceFormat>
+          <inkml:channel name="X" type="integer" min="-2.14748E9" max="2.14748E9" units="cm"/>
+          <inkml:channel name="Y" type="integer" min="-2.14748E9" max="2.14748E9" units="cm"/>
+          <inkml:channel name="F" type="integer" max="32767" units="dev"/>
+        </inkml:traceFormat>
+        <inkml:channelProperties>
+          <inkml:channelProperty channel="X" name="resolution" value="1000" units="1/cm"/>
+          <inkml:channelProperty channel="Y" name="resolution" value="1000" units="1/cm"/>
+          <inkml:channelProperty channel="F" name="resolution" value="0" units="1/dev"/>
+        </inkml:channelProperties>
+      </inkml:inkSource>
+      <inkml:timestamp xml:id="ts0" timeString="2025-05-19T14:54:49.965"/>
+    </inkml:context>
+    <inkml:brush xml:id="br0">
+      <inkml:brushProperty name="width" value="0.1" units="cm"/>
+      <inkml:brushProperty name="height" value="0.1" units="cm"/>
+      <inkml:brushProperty name="color" value="#E71224"/>
+    </inkml:brush>
+  </inkml:definitions>
+  <inkml:trace contextRef="#ctx0" brushRef="#br0">21058 5 24575,'-3'-4'0,"-9"5"0,-11 6 0,-38 17 0,18-5 0,-711 352-1062,627-304 375,-2140 1056-5785,1378-716 4973,-589 275-36,934-425 1525,-1517 726 33,27 44-162,-1436 873-382,3186-1742 574,-506 287 548,22 25 403,-161 182 1147,643-429-1145,-71 52 394,-1133 841 1134,1262-940-2212,-536 371 2509,293-285-2831,-91 61 0,537-304 0,1 1 0,-24 26 0,-16 14 0,15-18-50,-75 59-1265,95-80-5511</inkml:trace>
+</inkml:ink>
 </file>
 
 <file path=ppt/notesMasters/notesMaster1.xml><?xml version="1.0" encoding="utf-8"?>
@@ -604,7 +689,7 @@
               <a:pPr>
                 <a:defRPr/>
               </a:pPr>
-              <a:t>2/26/2024</a:t>
+              <a:t>5/19/2025</a:t>
             </a:fld>
             <a:endParaRPr lang="en-US"/>
           </a:p>
@@ -1273,7 +1358,7 @@
               <a:pPr>
                 <a:defRPr/>
               </a:pPr>
-              <a:t>Monday, February 26, 2024</a:t>
+              <a:t>Monday, May 19, 2025</a:t>
             </a:fld>
             <a:endParaRPr lang="en-US" dirty="0"/>
           </a:p>
@@ -1456,7 +1541,7 @@
               <a:pPr>
                 <a:defRPr/>
               </a:pPr>
-              <a:t>Monday, February 26, 2024</a:t>
+              <a:t>Monday, May 19, 2025</a:t>
             </a:fld>
             <a:endParaRPr lang="en-US" dirty="0"/>
           </a:p>
@@ -1649,7 +1734,7 @@
               <a:pPr>
                 <a:defRPr/>
               </a:pPr>
-              <a:t>Monday, February 26, 2024</a:t>
+              <a:t>Monday, May 19, 2025</a:t>
             </a:fld>
             <a:endParaRPr lang="en-US" dirty="0"/>
           </a:p>
@@ -1832,7 +1917,7 @@
               <a:pPr>
                 <a:defRPr/>
               </a:pPr>
-              <a:t>Monday, February 26, 2024</a:t>
+              <a:t>Monday, May 19, 2025</a:t>
             </a:fld>
             <a:endParaRPr lang="en-US" dirty="0"/>
           </a:p>
@@ -2092,7 +2177,7 @@
               <a:pPr>
                 <a:defRPr/>
               </a:pPr>
-              <a:t>Monday, February 26, 2024</a:t>
+              <a:t>Monday, May 19, 2025</a:t>
             </a:fld>
             <a:endParaRPr lang="en-US"/>
           </a:p>
@@ -2392,7 +2477,7 @@
               <a:pPr>
                 <a:defRPr/>
               </a:pPr>
-              <a:t>Monday, February 26, 2024</a:t>
+              <a:t>Monday, May 19, 2025</a:t>
             </a:fld>
             <a:endParaRPr lang="en-US"/>
           </a:p>
@@ -2826,7 +2911,7 @@
               <a:pPr>
                 <a:defRPr/>
               </a:pPr>
-              <a:t>Monday, February 26, 2024</a:t>
+              <a:t>Monday, May 19, 2025</a:t>
             </a:fld>
             <a:endParaRPr lang="en-US"/>
           </a:p>
@@ -2958,7 +3043,7 @@
               <a:pPr>
                 <a:defRPr/>
               </a:pPr>
-              <a:t>Monday, February 26, 2024</a:t>
+              <a:t>Monday, May 19, 2025</a:t>
             </a:fld>
             <a:endParaRPr lang="en-US"/>
           </a:p>
@@ -3068,7 +3153,7 @@
               <a:pPr>
                 <a:defRPr/>
               </a:pPr>
-              <a:t>Monday, February 26, 2024</a:t>
+              <a:t>Monday, May 19, 2025</a:t>
             </a:fld>
             <a:endParaRPr lang="en-US" dirty="0"/>
           </a:p>
@@ -3358,7 +3443,7 @@
               <a:pPr>
                 <a:defRPr/>
               </a:pPr>
-              <a:t>Monday, February 26, 2024</a:t>
+              <a:t>Monday, May 19, 2025</a:t>
             </a:fld>
             <a:endParaRPr lang="en-US"/>
           </a:p>
@@ -3625,7 +3710,7 @@
               <a:pPr>
                 <a:defRPr/>
               </a:pPr>
-              <a:t>Monday, February 26, 2024</a:t>
+              <a:t>Monday, May 19, 2025</a:t>
             </a:fld>
             <a:endParaRPr lang="en-US"/>
           </a:p>
@@ -3851,7 +3936,7 @@
               <a:pPr>
                 <a:defRPr/>
               </a:pPr>
-              <a:t>Monday, February 26, 2024</a:t>
+              <a:t>Monday, May 19, 2025</a:t>
             </a:fld>
             <a:endParaRPr lang="en-US" dirty="0"/>
           </a:p>
@@ -4351,6 +4436,378 @@
           <a:chExt cx="0" cy="0"/>
         </a:xfrm>
       </p:grpSpPr>
+      <p:sp>
+        <p:nvSpPr>
+          <p:cNvPr id="2" name="Title 1">
+            <a:extLst>
+              <a:ext uri="{FF2B5EF4-FFF2-40B4-BE49-F238E27FC236}">
+                <a16:creationId xmlns:a16="http://schemas.microsoft.com/office/drawing/2014/main" id="{0B0D6627-FFB3-9CE6-1954-48F7F31C1A36}"/>
+              </a:ext>
+            </a:extLst>
+          </p:cNvPr>
+          <p:cNvSpPr>
+            <a:spLocks noGrp="1"/>
+          </p:cNvSpPr>
+          <p:nvPr>
+            <p:ph type="title"/>
+          </p:nvPr>
+        </p:nvSpPr>
+        <p:spPr/>
+        <p:txBody>
+          <a:bodyPr>
+            <a:normAutofit fontScale="90000"/>
+          </a:bodyPr>
+          <a:lstStyle/>
+          <a:p>
+            <a:r>
+              <a:rPr lang="en-US" b="0" i="0" u="sng" dirty="0">
+                <a:solidFill>
+                  <a:srgbClr val="0969DA"/>
+                </a:solidFill>
+                <a:effectLst/>
+                <a:latin typeface="-apple-system"/>
+                <a:hlinkClick r:id="rId2"/>
+              </a:rPr>
+              <a:t>https://hallvard.github.io/plantuml/</a:t>
+            </a:r>
+            <a:r>
+              <a:rPr lang="en-US" b="0" i="0" dirty="0">
+                <a:solidFill>
+                  <a:srgbClr val="1F2328"/>
+                </a:solidFill>
+                <a:effectLst/>
+                <a:latin typeface="-apple-system"/>
+              </a:rPr>
+              <a:t> </a:t>
+            </a:r>
+            <a:endParaRPr lang="en-US" dirty="0"/>
+          </a:p>
+        </p:txBody>
+      </p:sp>
+      <p:pic>
+        <p:nvPicPr>
+          <p:cNvPr id="5" name="Content Placeholder 4">
+            <a:extLst>
+              <a:ext uri="{FF2B5EF4-FFF2-40B4-BE49-F238E27FC236}">
+                <a16:creationId xmlns:a16="http://schemas.microsoft.com/office/drawing/2014/main" id="{DCB410A5-75E0-3832-1350-BFBE4F5E6ED8}"/>
+              </a:ext>
+            </a:extLst>
+          </p:cNvPr>
+          <p:cNvPicPr>
+            <a:picLocks noGrp="1" noChangeAspect="1"/>
+          </p:cNvPicPr>
+          <p:nvPr>
+            <p:ph idx="1"/>
+          </p:nvPr>
+        </p:nvPicPr>
+        <p:blipFill>
+          <a:blip r:embed="rId3"/>
+          <a:stretch>
+            <a:fillRect/>
+          </a:stretch>
+        </p:blipFill>
+        <p:spPr>
+          <a:xfrm>
+            <a:off x="2595262" y="2205219"/>
+            <a:ext cx="5072924" cy="3263504"/>
+          </a:xfrm>
+        </p:spPr>
+      </p:pic>
+      <p:pic>
+        <p:nvPicPr>
+          <p:cNvPr id="7" name="Picture 6">
+            <a:extLst>
+              <a:ext uri="{FF2B5EF4-FFF2-40B4-BE49-F238E27FC236}">
+                <a16:creationId xmlns:a16="http://schemas.microsoft.com/office/drawing/2014/main" id="{40D3031D-2968-F121-E5B4-B683B40BBE3A}"/>
+              </a:ext>
+            </a:extLst>
+          </p:cNvPr>
+          <p:cNvPicPr>
+            <a:picLocks noChangeAspect="1"/>
+          </p:cNvPicPr>
+          <p:nvPr/>
+        </p:nvPicPr>
+        <p:blipFill>
+          <a:blip r:embed="rId4"/>
+          <a:stretch>
+            <a:fillRect/>
+          </a:stretch>
+        </p:blipFill>
+        <p:spPr>
+          <a:xfrm>
+            <a:off x="337159" y="2125266"/>
+            <a:ext cx="1636147" cy="2529241"/>
+          </a:xfrm>
+          <a:prstGeom prst="rect">
+            <a:avLst/>
+          </a:prstGeom>
+        </p:spPr>
+      </p:pic>
+      <mc:AlternateContent xmlns:mc="http://schemas.openxmlformats.org/markup-compatibility/2006">
+        <mc:Choice xmlns:p14="http://schemas.microsoft.com/office/powerpoint/2010/main" Requires="p14">
+          <p:contentPart p14:bwMode="auto" r:id="rId5">
+            <p14:nvContentPartPr>
+              <p14:cNvPr id="8" name="Ink 7">
+                <a:extLst>
+                  <a:ext uri="{FF2B5EF4-FFF2-40B4-BE49-F238E27FC236}">
+                    <a16:creationId xmlns:a16="http://schemas.microsoft.com/office/drawing/2014/main" id="{698EACFF-B522-A065-04AA-56AD7E399EF5}"/>
+                  </a:ext>
+                </a:extLst>
+              </p14:cNvPr>
+              <p14:cNvContentPartPr/>
+              <p14:nvPr/>
+            </p14:nvContentPartPr>
+            <p14:xfrm>
+              <a:off x="2502159" y="1901805"/>
+              <a:ext cx="1228230" cy="990090"/>
+            </p14:xfrm>
+          </p:contentPart>
+        </mc:Choice>
+        <mc:Fallback>
+          <p:pic>
+            <p:nvPicPr>
+              <p:cNvPr id="8" name="Ink 7">
+                <a:extLst>
+                  <a:ext uri="{FF2B5EF4-FFF2-40B4-BE49-F238E27FC236}">
+                    <a16:creationId xmlns:a16="http://schemas.microsoft.com/office/drawing/2014/main" id="{698EACFF-B522-A065-04AA-56AD7E399EF5}"/>
+                  </a:ext>
+                </a:extLst>
+              </p:cNvPr>
+              <p:cNvPicPr/>
+              <p:nvPr/>
+            </p:nvPicPr>
+            <p:blipFill>
+              <a:blip r:embed="rId6"/>
+              <a:stretch>
+                <a:fillRect/>
+              </a:stretch>
+            </p:blipFill>
+            <p:spPr>
+              <a:xfrm>
+                <a:off x="2484155" y="1883810"/>
+                <a:ext cx="1263878" cy="1025720"/>
+              </a:xfrm>
+              <a:prstGeom prst="rect">
+                <a:avLst/>
+              </a:prstGeom>
+            </p:spPr>
+          </p:pic>
+        </mc:Fallback>
+      </mc:AlternateContent>
+      <p:sp>
+        <p:nvSpPr>
+          <p:cNvPr id="9" name="Right Arrow 13">
+            <a:extLst>
+              <a:ext uri="{FF2B5EF4-FFF2-40B4-BE49-F238E27FC236}">
+                <a16:creationId xmlns:a16="http://schemas.microsoft.com/office/drawing/2014/main" id="{6B38C7F3-D560-8BF4-A16D-8221807DB8A2}"/>
+              </a:ext>
+            </a:extLst>
+          </p:cNvPr>
+          <p:cNvSpPr/>
+          <p:nvPr/>
+        </p:nvSpPr>
+        <p:spPr>
+          <a:xfrm flipH="1">
+            <a:off x="694808" y="2068158"/>
+            <a:ext cx="1371600" cy="440423"/>
+          </a:xfrm>
+          <a:prstGeom prst="rightArrow">
+            <a:avLst/>
+          </a:prstGeom>
+        </p:spPr>
+        <p:style>
+          <a:lnRef idx="2">
+            <a:schemeClr val="accent1">
+              <a:shade val="50000"/>
+            </a:schemeClr>
+          </a:lnRef>
+          <a:fillRef idx="1">
+            <a:schemeClr val="accent1"/>
+          </a:fillRef>
+          <a:effectRef idx="0">
+            <a:schemeClr val="accent1"/>
+          </a:effectRef>
+          <a:fontRef idx="minor">
+            <a:schemeClr val="lt1"/>
+          </a:fontRef>
+        </p:style>
+        <p:txBody>
+          <a:bodyPr rtlCol="0" anchor="ctr"/>
+          <a:lstStyle/>
+          <a:p>
+            <a:pPr algn="ctr"/>
+            <a:endParaRPr lang="en-US"/>
+          </a:p>
+        </p:txBody>
+      </p:sp>
+      <p:sp>
+        <p:nvSpPr>
+          <p:cNvPr id="10" name="Right Arrow 13">
+            <a:extLst>
+              <a:ext uri="{FF2B5EF4-FFF2-40B4-BE49-F238E27FC236}">
+                <a16:creationId xmlns:a16="http://schemas.microsoft.com/office/drawing/2014/main" id="{5AAB333C-0F4E-D91F-61CC-10C95140CDEA}"/>
+              </a:ext>
+            </a:extLst>
+          </p:cNvPr>
+          <p:cNvSpPr/>
+          <p:nvPr/>
+        </p:nvSpPr>
+        <p:spPr>
+          <a:xfrm flipH="1">
+            <a:off x="1816359" y="4353322"/>
+            <a:ext cx="1371600" cy="440423"/>
+          </a:xfrm>
+          <a:prstGeom prst="rightArrow">
+            <a:avLst/>
+          </a:prstGeom>
+        </p:spPr>
+        <p:style>
+          <a:lnRef idx="2">
+            <a:schemeClr val="accent1">
+              <a:shade val="50000"/>
+            </a:schemeClr>
+          </a:lnRef>
+          <a:fillRef idx="1">
+            <a:schemeClr val="accent1"/>
+          </a:fillRef>
+          <a:effectRef idx="0">
+            <a:schemeClr val="accent1"/>
+          </a:effectRef>
+          <a:fontRef idx="minor">
+            <a:schemeClr val="lt1"/>
+          </a:fontRef>
+        </p:style>
+        <p:txBody>
+          <a:bodyPr rtlCol="0" anchor="ctr"/>
+          <a:lstStyle/>
+          <a:p>
+            <a:pPr algn="ctr"/>
+            <a:endParaRPr lang="en-US"/>
+          </a:p>
+        </p:txBody>
+      </p:sp>
+      <p:sp>
+        <p:nvSpPr>
+          <p:cNvPr id="11" name="Right Arrow 13">
+            <a:extLst>
+              <a:ext uri="{FF2B5EF4-FFF2-40B4-BE49-F238E27FC236}">
+                <a16:creationId xmlns:a16="http://schemas.microsoft.com/office/drawing/2014/main" id="{047B24CC-E080-6513-BEA5-CC5D62BFD5EA}"/>
+              </a:ext>
+            </a:extLst>
+          </p:cNvPr>
+          <p:cNvSpPr/>
+          <p:nvPr/>
+        </p:nvSpPr>
+        <p:spPr>
+          <a:xfrm flipH="1">
+            <a:off x="4232298" y="2671684"/>
+            <a:ext cx="1371600" cy="440423"/>
+          </a:xfrm>
+          <a:prstGeom prst="rightArrow">
+            <a:avLst/>
+          </a:prstGeom>
+        </p:spPr>
+        <p:style>
+          <a:lnRef idx="2">
+            <a:schemeClr val="accent1">
+              <a:shade val="50000"/>
+            </a:schemeClr>
+          </a:lnRef>
+          <a:fillRef idx="1">
+            <a:schemeClr val="accent1"/>
+          </a:fillRef>
+          <a:effectRef idx="0">
+            <a:schemeClr val="accent1"/>
+          </a:effectRef>
+          <a:fontRef idx="minor">
+            <a:schemeClr val="lt1"/>
+          </a:fontRef>
+        </p:style>
+        <p:txBody>
+          <a:bodyPr rtlCol="0" anchor="ctr"/>
+          <a:lstStyle/>
+          <a:p>
+            <a:pPr algn="ctr"/>
+            <a:endParaRPr lang="en-US"/>
+          </a:p>
+        </p:txBody>
+      </p:sp>
+      <p:sp>
+        <p:nvSpPr>
+          <p:cNvPr id="12" name="Right Arrow 13">
+            <a:extLst>
+              <a:ext uri="{FF2B5EF4-FFF2-40B4-BE49-F238E27FC236}">
+                <a16:creationId xmlns:a16="http://schemas.microsoft.com/office/drawing/2014/main" id="{9BFE6682-D499-B7C5-D825-B636886FF374}"/>
+              </a:ext>
+            </a:extLst>
+          </p:cNvPr>
+          <p:cNvSpPr/>
+          <p:nvPr/>
+        </p:nvSpPr>
+        <p:spPr>
+          <a:xfrm flipH="1">
+            <a:off x="3760124" y="3138148"/>
+            <a:ext cx="1371600" cy="440423"/>
+          </a:xfrm>
+          <a:prstGeom prst="rightArrow">
+            <a:avLst/>
+          </a:prstGeom>
+        </p:spPr>
+        <p:style>
+          <a:lnRef idx="2">
+            <a:schemeClr val="accent1">
+              <a:shade val="50000"/>
+            </a:schemeClr>
+          </a:lnRef>
+          <a:fillRef idx="1">
+            <a:schemeClr val="accent1"/>
+          </a:fillRef>
+          <a:effectRef idx="0">
+            <a:schemeClr val="accent1"/>
+          </a:effectRef>
+          <a:fontRef idx="minor">
+            <a:schemeClr val="lt1"/>
+          </a:fontRef>
+        </p:style>
+        <p:txBody>
+          <a:bodyPr rtlCol="0" anchor="ctr"/>
+          <a:lstStyle/>
+          <a:p>
+            <a:pPr algn="ctr"/>
+            <a:endParaRPr lang="en-US"/>
+          </a:p>
+        </p:txBody>
+      </p:sp>
+    </p:spTree>
+    <p:extLst>
+      <p:ext uri="{BB962C8B-B14F-4D97-AF65-F5344CB8AC3E}">
+        <p14:creationId xmlns:p14="http://schemas.microsoft.com/office/powerpoint/2010/main" val="4206125442"/>
+      </p:ext>
+    </p:extLst>
+  </p:cSld>
+  <p:clrMapOvr>
+    <a:masterClrMapping/>
+  </p:clrMapOvr>
+</p:sld>
+</file>
+
+<file path=ppt/slides/slide3.xml><?xml version="1.0" encoding="utf-8"?>
+<p:sld xmlns:a="http://schemas.openxmlformats.org/drawingml/2006/main" xmlns:r="http://schemas.openxmlformats.org/officeDocument/2006/relationships" xmlns:p="http://schemas.openxmlformats.org/presentationml/2006/main" show="0">
+  <p:cSld>
+    <p:spTree>
+      <p:nvGrpSpPr>
+        <p:cNvPr id="1" name=""/>
+        <p:cNvGrpSpPr/>
+        <p:nvPr/>
+      </p:nvGrpSpPr>
+      <p:grpSpPr>
+        <a:xfrm>
+          <a:off x="0" y="0"/>
+          <a:ext cx="0" cy="0"/>
+          <a:chOff x="0" y="0"/>
+          <a:chExt cx="0" cy="0"/>
+        </a:xfrm>
+      </p:grpSpPr>
       <p:pic>
         <p:nvPicPr>
           <p:cNvPr id="2" name="Picture 1"/>
@@ -4581,6 +5038,129 @@
           </a:p>
         </p:txBody>
       </p:sp>
+      <p:grpSp>
+        <p:nvGrpSpPr>
+          <p:cNvPr id="11" name="Group 10">
+            <a:extLst>
+              <a:ext uri="{FF2B5EF4-FFF2-40B4-BE49-F238E27FC236}">
+                <a16:creationId xmlns:a16="http://schemas.microsoft.com/office/drawing/2014/main" id="{7126F6D1-DF7E-6FD8-9D63-1C5362959BE1}"/>
+              </a:ext>
+            </a:extLst>
+          </p:cNvPr>
+          <p:cNvGrpSpPr/>
+          <p:nvPr/>
+        </p:nvGrpSpPr>
+        <p:grpSpPr>
+          <a:xfrm>
+            <a:off x="579005" y="474730"/>
+            <a:ext cx="8017200" cy="5130000"/>
+            <a:chOff x="579005" y="474730"/>
+            <a:chExt cx="8017200" cy="5130000"/>
+          </a:xfrm>
+        </p:grpSpPr>
+        <mc:AlternateContent xmlns:mc="http://schemas.openxmlformats.org/markup-compatibility/2006">
+          <mc:Choice xmlns:p14="http://schemas.microsoft.com/office/powerpoint/2010/main" Requires="p14">
+            <p:contentPart p14:bwMode="auto" r:id="rId5">
+              <p14:nvContentPartPr>
+                <p14:cNvPr id="9" name="Ink 8">
+                  <a:extLst>
+                    <a:ext uri="{FF2B5EF4-FFF2-40B4-BE49-F238E27FC236}">
+                      <a16:creationId xmlns:a16="http://schemas.microsoft.com/office/drawing/2014/main" id="{9F6260CC-7F60-F42A-E432-2A9E0C701317}"/>
+                    </a:ext>
+                  </a:extLst>
+                </p14:cNvPr>
+                <p14:cNvContentPartPr/>
+                <p14:nvPr/>
+              </p14:nvContentPartPr>
+              <p14:xfrm>
+                <a:off x="854045" y="685330"/>
+                <a:ext cx="7742160" cy="4919400"/>
+              </p14:xfrm>
+            </p:contentPart>
+          </mc:Choice>
+          <mc:Fallback>
+            <p:pic>
+              <p:nvPicPr>
+                <p:cNvPr id="9" name="Ink 8">
+                  <a:extLst>
+                    <a:ext uri="{FF2B5EF4-FFF2-40B4-BE49-F238E27FC236}">
+                      <a16:creationId xmlns:a16="http://schemas.microsoft.com/office/drawing/2014/main" id="{9F6260CC-7F60-F42A-E432-2A9E0C701317}"/>
+                    </a:ext>
+                  </a:extLst>
+                </p:cNvPr>
+                <p:cNvPicPr/>
+                <p:nvPr/>
+              </p:nvPicPr>
+              <p:blipFill>
+                <a:blip r:embed="rId6"/>
+                <a:stretch>
+                  <a:fillRect/>
+                </a:stretch>
+              </p:blipFill>
+              <p:spPr>
+                <a:xfrm>
+                  <a:off x="836405" y="667690"/>
+                  <a:ext cx="7777800" cy="4955040"/>
+                </a:xfrm>
+                <a:prstGeom prst="rect">
+                  <a:avLst/>
+                </a:prstGeom>
+              </p:spPr>
+            </p:pic>
+          </mc:Fallback>
+        </mc:AlternateContent>
+        <mc:AlternateContent xmlns:mc="http://schemas.openxmlformats.org/markup-compatibility/2006">
+          <mc:Choice xmlns:p14="http://schemas.microsoft.com/office/powerpoint/2010/main" Requires="p14">
+            <p:contentPart p14:bwMode="auto" r:id="rId7">
+              <p14:nvContentPartPr>
+                <p14:cNvPr id="10" name="Ink 9">
+                  <a:extLst>
+                    <a:ext uri="{FF2B5EF4-FFF2-40B4-BE49-F238E27FC236}">
+                      <a16:creationId xmlns:a16="http://schemas.microsoft.com/office/drawing/2014/main" id="{5E5A6D69-11E0-3C3E-C0EC-7C58381AAFFA}"/>
+                    </a:ext>
+                  </a:extLst>
+                </p14:cNvPr>
+                <p14:cNvContentPartPr/>
+                <p14:nvPr/>
+              </p14:nvContentPartPr>
+              <p14:xfrm>
+                <a:off x="579005" y="474730"/>
+                <a:ext cx="7581240" cy="4257000"/>
+              </p14:xfrm>
+            </p:contentPart>
+          </mc:Choice>
+          <mc:Fallback>
+            <p:pic>
+              <p:nvPicPr>
+                <p:cNvPr id="10" name="Ink 9">
+                  <a:extLst>
+                    <a:ext uri="{FF2B5EF4-FFF2-40B4-BE49-F238E27FC236}">
+                      <a16:creationId xmlns:a16="http://schemas.microsoft.com/office/drawing/2014/main" id="{5E5A6D69-11E0-3C3E-C0EC-7C58381AAFFA}"/>
+                    </a:ext>
+                  </a:extLst>
+                </p:cNvPr>
+                <p:cNvPicPr/>
+                <p:nvPr/>
+              </p:nvPicPr>
+              <p:blipFill>
+                <a:blip r:embed="rId8"/>
+                <a:stretch>
+                  <a:fillRect/>
+                </a:stretch>
+              </p:blipFill>
+              <p:spPr>
+                <a:xfrm>
+                  <a:off x="561005" y="457090"/>
+                  <a:ext cx="7616880" cy="4292640"/>
+                </a:xfrm>
+                <a:prstGeom prst="rect">
+                  <a:avLst/>
+                </a:prstGeom>
+              </p:spPr>
+            </p:pic>
+          </mc:Fallback>
+        </mc:AlternateContent>
+      </p:grpSp>
     </p:spTree>
     <p:extLst>
       <p:ext uri="{BB962C8B-B14F-4D97-AF65-F5344CB8AC3E}">
@@ -4594,7 +5174,7 @@
 </p:sld>
 </file>
 
-<file path=ppt/slides/slide3.xml><?xml version="1.0" encoding="utf-8"?>
+<file path=ppt/slides/slide4.xml><?xml version="1.0" encoding="utf-8"?>
 <p:sld xmlns:a="http://schemas.openxmlformats.org/drawingml/2006/main" xmlns:r="http://schemas.openxmlformats.org/officeDocument/2006/relationships" xmlns:p="http://schemas.openxmlformats.org/presentationml/2006/main">
   <p:cSld>
     <p:spTree>
@@ -4683,7 +5263,7 @@
 </p:sld>
 </file>
 
-<file path=ppt/slides/slide4.xml><?xml version="1.0" encoding="utf-8"?>
+<file path=ppt/slides/slide5.xml><?xml version="1.0" encoding="utf-8"?>
 <p:sld xmlns:a="http://schemas.openxmlformats.org/drawingml/2006/main" xmlns:r="http://schemas.openxmlformats.org/officeDocument/2006/relationships" xmlns:p="http://schemas.openxmlformats.org/presentationml/2006/main">
   <p:cSld>
     <p:spTree>
@@ -4864,7 +5444,7 @@
 </p:sld>
 </file>
 
-<file path=ppt/slides/slide5.xml><?xml version="1.0" encoding="utf-8"?>
+<file path=ppt/slides/slide6.xml><?xml version="1.0" encoding="utf-8"?>
 <p:sld xmlns:a="http://schemas.openxmlformats.org/drawingml/2006/main" xmlns:r="http://schemas.openxmlformats.org/officeDocument/2006/relationships" xmlns:p="http://schemas.openxmlformats.org/presentationml/2006/main">
   <p:cSld>
     <p:spTree>
@@ -5790,21 +6370,6 @@
 </file>
 
 <file path=customXml/item1.xml><?xml version="1.0" encoding="utf-8"?>
-<p:properties xmlns:p="http://schemas.microsoft.com/office/2006/metadata/properties" xmlns:xsi="http://www.w3.org/2001/XMLSchema-instance" xmlns:pc="http://schemas.microsoft.com/office/infopath/2007/PartnerControls">
-  <documentManagement/>
-</p:properties>
-</file>
-
-<file path=customXml/item2.xml><?xml version="1.0" encoding="utf-8"?>
-<?mso-contentType ?>
-<FormTemplates xmlns="http://schemas.microsoft.com/sharepoint/v3/contenttype/forms">
-  <Display>DocumentLibraryForm</Display>
-  <Edit>DocumentLibraryForm</Edit>
-  <New>DocumentLibraryForm</New>
-</FormTemplates>
-</file>
-
-<file path=customXml/item3.xml><?xml version="1.0" encoding="utf-8"?>
 <ct:contentTypeSchema xmlns:ct="http://schemas.microsoft.com/office/2006/metadata/contentType" xmlns:ma="http://schemas.microsoft.com/office/2006/metadata/properties/metaAttributes" ct:_="" ma:_="" ma:contentTypeName="Document" ma:contentTypeID="0x0101001570BCAAD2E4294F9443DCB038A55380" ma:contentTypeVersion="10" ma:contentTypeDescription="Create a new document." ma:contentTypeScope="" ma:versionID="84c2e02ee7a0dfaa743622fbac484332">
   <xsd:schema xmlns:xsd="http://www.w3.org/2001/XMLSchema" xmlns:xs="http://www.w3.org/2001/XMLSchema" xmlns:p="http://schemas.microsoft.com/office/2006/metadata/properties" xmlns:ns2="201674f6-2bdd-4f13-ba1e-424e4aa70473" targetNamespace="http://schemas.microsoft.com/office/2006/metadata/properties" ma:root="true" ma:fieldsID="0b220e6722f2c0d473d2d30e5cad202c" ns2:_="">
     <xsd:import namespace="201674f6-2bdd-4f13-ba1e-424e4aa70473"/>
@@ -5988,24 +6553,22 @@
 </ct:contentTypeSchema>
 </file>
 
-<file path=customXml/itemProps1.xml><?xml version="1.0" encoding="utf-8"?>
-<ds:datastoreItem xmlns:ds="http://schemas.openxmlformats.org/officeDocument/2006/customXml" ds:itemID="{60CD462D-AEE2-4D23-8068-CEEF7E727F2F}">
-  <ds:schemaRefs>
-    <ds:schemaRef ds:uri="http://schemas.microsoft.com/office/2006/metadata/properties"/>
-    <ds:schemaRef ds:uri="http://schemas.microsoft.com/office/infopath/2007/PartnerControls"/>
-  </ds:schemaRefs>
-</ds:datastoreItem>
+<file path=customXml/item2.xml><?xml version="1.0" encoding="utf-8"?>
+<?mso-contentType ?>
+<FormTemplates xmlns="http://schemas.microsoft.com/sharepoint/v3/contenttype/forms">
+  <Display>DocumentLibraryForm</Display>
+  <Edit>DocumentLibraryForm</Edit>
+  <New>DocumentLibraryForm</New>
+</FormTemplates>
 </file>
 
-<file path=customXml/itemProps2.xml><?xml version="1.0" encoding="utf-8"?>
-<ds:datastoreItem xmlns:ds="http://schemas.openxmlformats.org/officeDocument/2006/customXml" ds:itemID="{3E3E2025-CEA9-40D8-9D09-7FAEC8DF7F7F}">
-  <ds:schemaRefs>
-    <ds:schemaRef ds:uri="http://schemas.microsoft.com/sharepoint/v3/contenttype/forms"/>
-  </ds:schemaRefs>
-</ds:datastoreItem>
+<file path=customXml/item3.xml><?xml version="1.0" encoding="utf-8"?>
+<p:properties xmlns:p="http://schemas.microsoft.com/office/2006/metadata/properties" xmlns:xsi="http://www.w3.org/2001/XMLSchema-instance" xmlns:pc="http://schemas.microsoft.com/office/infopath/2007/PartnerControls">
+  <documentManagement/>
+</p:properties>
 </file>
 
-<file path=customXml/itemProps3.xml><?xml version="1.0" encoding="utf-8"?>
+<file path=customXml/itemProps1.xml><?xml version="1.0" encoding="utf-8"?>
 <ds:datastoreItem xmlns:ds="http://schemas.openxmlformats.org/officeDocument/2006/customXml" ds:itemID="{CF76D278-1F25-46D9-AA20-4FA17B137934}">
   <ds:schemaRefs>
     <ds:schemaRef ds:uri="http://schemas.microsoft.com/office/2006/metadata/contentType"/>
@@ -6021,4 +6584,21 @@
     <ds:schemaRef ds:uri="http://schemas.microsoft.com/internal/obd"/>
   </ds:schemaRefs>
 </ds:datastoreItem>
+</file>
+
+<file path=customXml/itemProps2.xml><?xml version="1.0" encoding="utf-8"?>
+<ds:datastoreItem xmlns:ds="http://schemas.openxmlformats.org/officeDocument/2006/customXml" ds:itemID="{3E3E2025-CEA9-40D8-9D09-7FAEC8DF7F7F}">
+  <ds:schemaRefs>
+    <ds:schemaRef ds:uri="http://schemas.microsoft.com/sharepoint/v3/contenttype/forms"/>
+  </ds:schemaRefs>
+</ds:datastoreItem>
+</file>
+
+<file path=customXml/itemProps3.xml><?xml version="1.0" encoding="utf-8"?>
+<ds:datastoreItem xmlns:ds="http://schemas.openxmlformats.org/officeDocument/2006/customXml" ds:itemID="{60CD462D-AEE2-4D23-8068-CEEF7E727F2F}">
+  <ds:schemaRefs>
+    <ds:schemaRef ds:uri="http://schemas.microsoft.com/office/2006/metadata/properties"/>
+    <ds:schemaRef ds:uri="http://schemas.microsoft.com/office/infopath/2007/PartnerControls"/>
+  </ds:schemaRefs>
+</ds:datastoreItem>
 </file>